--- a/ssh/fig/fig.pptx
+++ b/ssh/fig/fig.pptx
@@ -610,53 +610,22 @@
           <a:lstStyle/>
           <a:p>
             <a:r>
-              <a:rPr kumimoji="1" lang="ja-JP" altLang="en-US" sz="2400"/>
+              <a:rPr kumimoji="1" lang="ja-JP" altLang="en-US" sz="2400">
+                <a:solidFill>
+                  <a:srgbClr val="011893"/>
+                </a:solidFill>
+              </a:rPr>
               <a:t>所持認証</a:t>
-            </a:r>
-          </a:p>
-        </p:txBody>
-      </p:sp>
-      <p:sp>
-        <p:nvSpPr>
-          <p:cNvPr id="4" name="テキスト ボックス 3">
-            <a:extLst>
-              <a:ext uri="{FF2B5EF4-FFF2-40B4-BE49-F238E27FC236}">
-                <a16:creationId xmlns:a16="http://schemas.microsoft.com/office/drawing/2014/main" id="{B2A59AAD-F10A-A6AA-71AD-0E85D21E390E}"/>
-              </a:ext>
-            </a:extLst>
-          </p:cNvPr>
-          <p:cNvSpPr txBox="1"/>
-          <p:nvPr/>
-        </p:nvSpPr>
-        <p:spPr>
-          <a:xfrm>
-            <a:off x="3862003" y="3802128"/>
-            <a:ext cx="1415772" cy="461665"/>
-          </a:xfrm>
-          <a:prstGeom prst="rect">
-            <a:avLst/>
-          </a:prstGeom>
-          <a:noFill/>
-        </p:spPr>
-        <p:txBody>
-          <a:bodyPr wrap="none" rtlCol="0">
-            <a:spAutoFit/>
-          </a:bodyPr>
-          <a:lstStyle/>
-          <a:p>
-            <a:r>
-              <a:rPr kumimoji="1" lang="ja-JP" altLang="en-US" sz="2400"/>
-              <a:t>知識認証</a:t>
             </a:r>
           </a:p>
         </p:txBody>
       </p:sp>
       <p:pic>
         <p:nvPicPr>
-          <p:cNvPr id="5" name="Picture 4" descr="笑う男性のイラスト（段階2）">
-            <a:extLst>
-              <a:ext uri="{FF2B5EF4-FFF2-40B4-BE49-F238E27FC236}">
-                <a16:creationId xmlns:a16="http://schemas.microsoft.com/office/drawing/2014/main" id="{D8F399E1-BD8D-E71C-4AD7-E7790FFC074D}"/>
+          <p:cNvPr id="8" name="Picture 4" descr="笑う男性のイラスト（段階2）">
+            <a:extLst>
+              <a:ext uri="{FF2B5EF4-FFF2-40B4-BE49-F238E27FC236}">
+                <a16:creationId xmlns:a16="http://schemas.microsoft.com/office/drawing/2014/main" id="{263F58E0-20D4-4311-7632-6D7862B3C820}"/>
               </a:ext>
             </a:extLst>
           </p:cNvPr>
@@ -680,7 +649,7 @@
         </p:blipFill>
         <p:spPr bwMode="auto">
           <a:xfrm>
-            <a:off x="3641745" y="4690750"/>
+            <a:off x="142736" y="4710715"/>
             <a:ext cx="672081" cy="903335"/>
           </a:xfrm>
           <a:prstGeom prst="rect">
@@ -700,10 +669,10 @@
       </p:pic>
       <p:pic>
         <p:nvPicPr>
-          <p:cNvPr id="1032" name="Picture 8" descr="デジタルキーのイラスト">
-            <a:extLst>
-              <a:ext uri="{FF2B5EF4-FFF2-40B4-BE49-F238E27FC236}">
-                <a16:creationId xmlns:a16="http://schemas.microsoft.com/office/drawing/2014/main" id="{21B56E85-2C59-FDF5-5B59-81F38C47BFFB}"/>
+          <p:cNvPr id="1034" name="Picture 10" descr="指で数えている男の子のイラスト（1）">
+            <a:extLst>
+              <a:ext uri="{FF2B5EF4-FFF2-40B4-BE49-F238E27FC236}">
+                <a16:creationId xmlns:a16="http://schemas.microsoft.com/office/drawing/2014/main" id="{F522ABF1-5BEF-FA8C-EDCC-66A659DEFBF8}"/>
               </a:ext>
             </a:extLst>
           </p:cNvPr>
@@ -727,8 +696,8 @@
         </p:blipFill>
         <p:spPr bwMode="auto">
           <a:xfrm>
-            <a:off x="5652120" y="4509120"/>
-            <a:ext cx="807613" cy="1055703"/>
+            <a:off x="6423716" y="4671775"/>
+            <a:ext cx="1023881" cy="931732"/>
           </a:xfrm>
           <a:prstGeom prst="rect">
             <a:avLst/>
@@ -745,100 +714,12 @@
           </a:extLst>
         </p:spPr>
       </p:pic>
-      <p:sp>
-        <p:nvSpPr>
-          <p:cNvPr id="6" name="雲 5">
-            <a:extLst>
-              <a:ext uri="{FF2B5EF4-FFF2-40B4-BE49-F238E27FC236}">
-                <a16:creationId xmlns:a16="http://schemas.microsoft.com/office/drawing/2014/main" id="{037076DB-0D0E-69DA-092D-66F61524B00F}"/>
-              </a:ext>
-            </a:extLst>
-          </p:cNvPr>
-          <p:cNvSpPr/>
-          <p:nvPr/>
-        </p:nvSpPr>
-        <p:spPr>
-          <a:xfrm>
-            <a:off x="4102647" y="4278630"/>
-            <a:ext cx="1299750" cy="678472"/>
-          </a:xfrm>
-          <a:prstGeom prst="cloud">
-            <a:avLst/>
-          </a:prstGeom>
-          <a:noFill/>
-          <a:ln>
-            <a:solidFill>
-              <a:schemeClr val="tx1"/>
-            </a:solidFill>
-          </a:ln>
-        </p:spPr>
-        <p:style>
-          <a:lnRef idx="2">
-            <a:schemeClr val="accent1">
-              <a:shade val="50000"/>
-            </a:schemeClr>
-          </a:lnRef>
-          <a:fillRef idx="1">
-            <a:schemeClr val="accent1"/>
-          </a:fillRef>
-          <a:effectRef idx="0">
-            <a:schemeClr val="accent1"/>
-          </a:effectRef>
-          <a:fontRef idx="minor">
-            <a:schemeClr val="lt1"/>
-          </a:fontRef>
-        </p:style>
-        <p:txBody>
-          <a:bodyPr rtlCol="0" anchor="ctr"/>
-          <a:lstStyle/>
-          <a:p>
-            <a:pPr algn="ctr"/>
-            <a:endParaRPr kumimoji="1" lang="ja-JP" altLang="en-US"/>
-          </a:p>
-        </p:txBody>
-      </p:sp>
-      <p:sp>
-        <p:nvSpPr>
-          <p:cNvPr id="7" name="テキスト ボックス 6">
-            <a:extLst>
-              <a:ext uri="{FF2B5EF4-FFF2-40B4-BE49-F238E27FC236}">
-                <a16:creationId xmlns:a16="http://schemas.microsoft.com/office/drawing/2014/main" id="{191675D7-5FFB-FC93-7815-0CABFBEE88DA}"/>
-              </a:ext>
-            </a:extLst>
-          </p:cNvPr>
-          <p:cNvSpPr txBox="1"/>
-          <p:nvPr/>
-        </p:nvSpPr>
-        <p:spPr>
-          <a:xfrm>
-            <a:off x="4196968" y="4427861"/>
-            <a:ext cx="1006636" cy="369332"/>
-          </a:xfrm>
-          <a:prstGeom prst="rect">
-            <a:avLst/>
-          </a:prstGeom>
-          <a:noFill/>
-        </p:spPr>
-        <p:txBody>
-          <a:bodyPr wrap="square" rtlCol="0">
-            <a:spAutoFit/>
-          </a:bodyPr>
-          <a:lstStyle/>
-          <a:p>
-            <a:r>
-              <a:rPr lang="en-US" altLang="ja-JP" dirty="0"/>
-              <a:t>123456</a:t>
-            </a:r>
-            <a:endParaRPr kumimoji="1" lang="ja-JP" altLang="en-US"/>
-          </a:p>
-        </p:txBody>
-      </p:sp>
       <p:pic>
         <p:nvPicPr>
-          <p:cNvPr id="8" name="Picture 4" descr="笑う男性のイラスト（段階2）">
-            <a:extLst>
-              <a:ext uri="{FF2B5EF4-FFF2-40B4-BE49-F238E27FC236}">
-                <a16:creationId xmlns:a16="http://schemas.microsoft.com/office/drawing/2014/main" id="{263F58E0-20D4-4311-7632-6D7862B3C820}"/>
+          <p:cNvPr id="1036" name="Picture 12" descr="指紋のマーク">
+            <a:extLst>
+              <a:ext uri="{FF2B5EF4-FFF2-40B4-BE49-F238E27FC236}">
+                <a16:creationId xmlns:a16="http://schemas.microsoft.com/office/drawing/2014/main" id="{EEB0060D-A120-419B-8346-A39B945CBE76}"/>
               </a:ext>
             </a:extLst>
           </p:cNvPr>
@@ -848,7 +729,7 @@
           <p:nvPr/>
         </p:nvPicPr>
         <p:blipFill>
-          <a:blip r:embed="rId4">
+          <a:blip r:embed="rId6">
             <a:extLst>
               <a:ext uri="{28A0092B-C50C-407E-A947-70E740481C1C}">
                 <a14:useLocalDpi xmlns:a14="http://schemas.microsoft.com/office/drawing/2010/main" val="0"/>
@@ -862,8 +743,8 @@
         </p:blipFill>
         <p:spPr bwMode="auto">
           <a:xfrm>
-            <a:off x="142736" y="4710715"/>
-            <a:ext cx="672081" cy="903335"/>
+            <a:off x="6996431" y="4226704"/>
+            <a:ext cx="654060" cy="654060"/>
           </a:xfrm>
           <a:prstGeom prst="rect">
             <a:avLst/>
@@ -880,12 +761,51 @@
           </a:extLst>
         </p:spPr>
       </p:pic>
+      <p:sp>
+        <p:nvSpPr>
+          <p:cNvPr id="9" name="テキスト ボックス 8">
+            <a:extLst>
+              <a:ext uri="{FF2B5EF4-FFF2-40B4-BE49-F238E27FC236}">
+                <a16:creationId xmlns:a16="http://schemas.microsoft.com/office/drawing/2014/main" id="{1FAC1AE5-D77C-9A94-D9F9-0795B819F0BB}"/>
+              </a:ext>
+            </a:extLst>
+          </p:cNvPr>
+          <p:cNvSpPr txBox="1"/>
+          <p:nvPr/>
+        </p:nvSpPr>
+        <p:spPr>
+          <a:xfrm>
+            <a:off x="6861576" y="3801627"/>
+            <a:ext cx="1415772" cy="461665"/>
+          </a:xfrm>
+          <a:prstGeom prst="rect">
+            <a:avLst/>
+          </a:prstGeom>
+          <a:noFill/>
+        </p:spPr>
+        <p:txBody>
+          <a:bodyPr wrap="none" rtlCol="0">
+            <a:spAutoFit/>
+          </a:bodyPr>
+          <a:lstStyle/>
+          <a:p>
+            <a:r>
+              <a:rPr kumimoji="1" lang="ja-JP" altLang="en-US" sz="2400">
+                <a:solidFill>
+                  <a:srgbClr val="011893"/>
+                </a:solidFill>
+              </a:rPr>
+              <a:t>生体認証</a:t>
+            </a:r>
+          </a:p>
+        </p:txBody>
+      </p:sp>
       <p:pic>
         <p:nvPicPr>
-          <p:cNvPr id="1034" name="Picture 10" descr="指で数えている男の子のイラスト（1）">
-            <a:extLst>
-              <a:ext uri="{FF2B5EF4-FFF2-40B4-BE49-F238E27FC236}">
-                <a16:creationId xmlns:a16="http://schemas.microsoft.com/office/drawing/2014/main" id="{F522ABF1-5BEF-FA8C-EDCC-66A659DEFBF8}"/>
+          <p:cNvPr id="1042" name="Picture 18" descr="タブレットPCのイラスト">
+            <a:extLst>
+              <a:ext uri="{FF2B5EF4-FFF2-40B4-BE49-F238E27FC236}">
+                <a16:creationId xmlns:a16="http://schemas.microsoft.com/office/drawing/2014/main" id="{AC305DE0-2C3A-DF33-C6BF-F2DC4D0A0411}"/>
               </a:ext>
             </a:extLst>
           </p:cNvPr>
@@ -895,7 +815,7 @@
           <p:nvPr/>
         </p:nvPicPr>
         <p:blipFill>
-          <a:blip r:embed="rId6">
+          <a:blip r:embed="rId7">
             <a:extLst>
               <a:ext uri="{28A0092B-C50C-407E-A947-70E740481C1C}">
                 <a14:useLocalDpi xmlns:a14="http://schemas.microsoft.com/office/drawing/2010/main" val="0"/>
@@ -909,8 +829,8 @@
         </p:blipFill>
         <p:spPr bwMode="auto">
           <a:xfrm>
-            <a:off x="6423716" y="4671775"/>
-            <a:ext cx="1023881" cy="931732"/>
+            <a:off x="8079106" y="4772781"/>
+            <a:ext cx="851658" cy="792042"/>
           </a:xfrm>
           <a:prstGeom prst="rect">
             <a:avLst/>
@@ -927,135 +847,6 @@
           </a:extLst>
         </p:spPr>
       </p:pic>
-      <p:pic>
-        <p:nvPicPr>
-          <p:cNvPr id="1036" name="Picture 12" descr="指紋のマーク">
-            <a:extLst>
-              <a:ext uri="{FF2B5EF4-FFF2-40B4-BE49-F238E27FC236}">
-                <a16:creationId xmlns:a16="http://schemas.microsoft.com/office/drawing/2014/main" id="{EEB0060D-A120-419B-8346-A39B945CBE76}"/>
-              </a:ext>
-            </a:extLst>
-          </p:cNvPr>
-          <p:cNvPicPr>
-            <a:picLocks noChangeAspect="1" noChangeArrowheads="1"/>
-          </p:cNvPicPr>
-          <p:nvPr/>
-        </p:nvPicPr>
-        <p:blipFill>
-          <a:blip r:embed="rId7">
-            <a:extLst>
-              <a:ext uri="{28A0092B-C50C-407E-A947-70E740481C1C}">
-                <a14:useLocalDpi xmlns:a14="http://schemas.microsoft.com/office/drawing/2010/main" val="0"/>
-              </a:ext>
-            </a:extLst>
-          </a:blip>
-          <a:srcRect/>
-          <a:stretch>
-            <a:fillRect/>
-          </a:stretch>
-        </p:blipFill>
-        <p:spPr bwMode="auto">
-          <a:xfrm>
-            <a:off x="6996431" y="4226704"/>
-            <a:ext cx="654060" cy="654060"/>
-          </a:xfrm>
-          <a:prstGeom prst="rect">
-            <a:avLst/>
-          </a:prstGeom>
-          <a:noFill/>
-          <a:extLst>
-            <a:ext uri="{909E8E84-426E-40DD-AFC4-6F175D3DCCD1}">
-              <a14:hiddenFill xmlns:a14="http://schemas.microsoft.com/office/drawing/2010/main">
-                <a:solidFill>
-                  <a:srgbClr val="FFFFFF"/>
-                </a:solidFill>
-              </a14:hiddenFill>
-            </a:ext>
-          </a:extLst>
-        </p:spPr>
-      </p:pic>
-      <p:sp>
-        <p:nvSpPr>
-          <p:cNvPr id="9" name="テキスト ボックス 8">
-            <a:extLst>
-              <a:ext uri="{FF2B5EF4-FFF2-40B4-BE49-F238E27FC236}">
-                <a16:creationId xmlns:a16="http://schemas.microsoft.com/office/drawing/2014/main" id="{1FAC1AE5-D77C-9A94-D9F9-0795B819F0BB}"/>
-              </a:ext>
-            </a:extLst>
-          </p:cNvPr>
-          <p:cNvSpPr txBox="1"/>
-          <p:nvPr/>
-        </p:nvSpPr>
-        <p:spPr>
-          <a:xfrm>
-            <a:off x="6861576" y="3801627"/>
-            <a:ext cx="1415772" cy="461665"/>
-          </a:xfrm>
-          <a:prstGeom prst="rect">
-            <a:avLst/>
-          </a:prstGeom>
-          <a:noFill/>
-        </p:spPr>
-        <p:txBody>
-          <a:bodyPr wrap="none" rtlCol="0">
-            <a:spAutoFit/>
-          </a:bodyPr>
-          <a:lstStyle/>
-          <a:p>
-            <a:r>
-              <a:rPr kumimoji="1" lang="ja-JP" altLang="en-US" sz="2400"/>
-              <a:t>生体認証</a:t>
-            </a:r>
-          </a:p>
-        </p:txBody>
-      </p:sp>
-      <p:pic>
-        <p:nvPicPr>
-          <p:cNvPr id="1042" name="Picture 18" descr="タブレットPCのイラスト">
-            <a:extLst>
-              <a:ext uri="{FF2B5EF4-FFF2-40B4-BE49-F238E27FC236}">
-                <a16:creationId xmlns:a16="http://schemas.microsoft.com/office/drawing/2014/main" id="{AC305DE0-2C3A-DF33-C6BF-F2DC4D0A0411}"/>
-              </a:ext>
-            </a:extLst>
-          </p:cNvPr>
-          <p:cNvPicPr>
-            <a:picLocks noChangeAspect="1" noChangeArrowheads="1"/>
-          </p:cNvPicPr>
-          <p:nvPr/>
-        </p:nvPicPr>
-        <p:blipFill>
-          <a:blip r:embed="rId8">
-            <a:extLst>
-              <a:ext uri="{28A0092B-C50C-407E-A947-70E740481C1C}">
-                <a14:useLocalDpi xmlns:a14="http://schemas.microsoft.com/office/drawing/2010/main" val="0"/>
-              </a:ext>
-            </a:extLst>
-          </a:blip>
-          <a:srcRect/>
-          <a:stretch>
-            <a:fillRect/>
-          </a:stretch>
-        </p:blipFill>
-        <p:spPr bwMode="auto">
-          <a:xfrm>
-            <a:off x="8079106" y="4772781"/>
-            <a:ext cx="851658" cy="792042"/>
-          </a:xfrm>
-          <a:prstGeom prst="rect">
-            <a:avLst/>
-          </a:prstGeom>
-          <a:noFill/>
-          <a:extLst>
-            <a:ext uri="{909E8E84-426E-40DD-AFC4-6F175D3DCCD1}">
-              <a14:hiddenFill xmlns:a14="http://schemas.microsoft.com/office/drawing/2010/main">
-                <a:solidFill>
-                  <a:srgbClr val="FFFFFF"/>
-                </a:solidFill>
-              </a14:hiddenFill>
-            </a:ext>
-          </a:extLst>
-        </p:spPr>
-      </p:pic>
       <p:sp>
         <p:nvSpPr>
           <p:cNvPr id="15" name="右矢印 14">
@@ -1071,60 +862,6 @@
         <p:spPr>
           <a:xfrm>
             <a:off x="1724300" y="5044985"/>
-            <a:ext cx="533673" cy="284932"/>
-          </a:xfrm>
-          <a:prstGeom prst="rightArrow">
-            <a:avLst/>
-          </a:prstGeom>
-          <a:solidFill>
-            <a:srgbClr val="FF0000"/>
-          </a:solidFill>
-          <a:ln>
-            <a:solidFill>
-              <a:schemeClr val="tx1"/>
-            </a:solidFill>
-          </a:ln>
-        </p:spPr>
-        <p:style>
-          <a:lnRef idx="2">
-            <a:schemeClr val="accent1">
-              <a:shade val="50000"/>
-            </a:schemeClr>
-          </a:lnRef>
-          <a:fillRef idx="1">
-            <a:schemeClr val="accent1"/>
-          </a:fillRef>
-          <a:effectRef idx="0">
-            <a:schemeClr val="accent1"/>
-          </a:effectRef>
-          <a:fontRef idx="minor">
-            <a:schemeClr val="lt1"/>
-          </a:fontRef>
-        </p:style>
-        <p:txBody>
-          <a:bodyPr rtlCol="0" anchor="ctr"/>
-          <a:lstStyle/>
-          <a:p>
-            <a:pPr algn="ctr"/>
-            <a:endParaRPr kumimoji="1" lang="ja-JP" altLang="en-US"/>
-          </a:p>
-        </p:txBody>
-      </p:sp>
-      <p:sp>
-        <p:nvSpPr>
-          <p:cNvPr id="16" name="右矢印 15">
-            <a:extLst>
-              <a:ext uri="{FF2B5EF4-FFF2-40B4-BE49-F238E27FC236}">
-                <a16:creationId xmlns:a16="http://schemas.microsoft.com/office/drawing/2014/main" id="{BD95F603-F2AC-ECD3-E933-E0EDB20F82B3}"/>
-              </a:ext>
-            </a:extLst>
-          </p:cNvPr>
-          <p:cNvSpPr/>
-          <p:nvPr/>
-        </p:nvSpPr>
-        <p:spPr>
-          <a:xfrm>
-            <a:off x="5054440" y="4962217"/>
             <a:ext cx="533673" cy="284932"/>
           </a:xfrm>
           <a:prstGeom prst="rightArrow">
@@ -1280,7 +1017,7 @@
           <p:nvPr/>
         </p:nvPicPr>
         <p:blipFill>
-          <a:blip r:embed="rId9">
+          <a:blip r:embed="rId8">
             <a:extLst>
               <a:ext uri="{28A0092B-C50C-407E-A947-70E740481C1C}">
                 <a14:useLocalDpi xmlns:a14="http://schemas.microsoft.com/office/drawing/2010/main" val="0"/>
@@ -1327,7 +1064,7 @@
           <p:nvPr/>
         </p:nvPicPr>
         <p:blipFill>
-          <a:blip r:embed="rId10">
+          <a:blip r:embed="rId9">
             <a:extLst>
               <a:ext uri="{28A0092B-C50C-407E-A947-70E740481C1C}">
                 <a14:useLocalDpi xmlns:a14="http://schemas.microsoft.com/office/drawing/2010/main" val="0"/>
@@ -1374,7 +1111,7 @@
           <p:nvPr/>
         </p:nvPicPr>
         <p:blipFill>
-          <a:blip r:embed="rId11">
+          <a:blip r:embed="rId10">
             <a:extLst>
               <a:ext uri="{28A0092B-C50C-407E-A947-70E740481C1C}">
                 <a14:useLocalDpi xmlns:a14="http://schemas.microsoft.com/office/drawing/2010/main" val="0"/>
@@ -1661,6 +1398,281 @@
             <a:r>
               <a:rPr kumimoji="1" lang="ja-JP" altLang="en-US" sz="2400"/>
               <a:t>認証</a:t>
+            </a:r>
+          </a:p>
+        </p:txBody>
+      </p:sp>
+      <p:pic>
+        <p:nvPicPr>
+          <p:cNvPr id="14" name="Picture 4" descr="笑う男性のイラスト（段階2）">
+            <a:extLst>
+              <a:ext uri="{FF2B5EF4-FFF2-40B4-BE49-F238E27FC236}">
+                <a16:creationId xmlns:a16="http://schemas.microsoft.com/office/drawing/2014/main" id="{62F9650E-D1B7-F0A6-807D-E111C003400A}"/>
+              </a:ext>
+            </a:extLst>
+          </p:cNvPr>
+          <p:cNvPicPr>
+            <a:picLocks noChangeAspect="1" noChangeArrowheads="1"/>
+          </p:cNvPicPr>
+          <p:nvPr/>
+        </p:nvPicPr>
+        <p:blipFill>
+          <a:blip r:embed="rId4">
+            <a:extLst>
+              <a:ext uri="{28A0092B-C50C-407E-A947-70E740481C1C}">
+                <a14:useLocalDpi xmlns:a14="http://schemas.microsoft.com/office/drawing/2010/main" val="0"/>
+              </a:ext>
+            </a:extLst>
+          </a:blip>
+          <a:srcRect/>
+          <a:stretch>
+            <a:fillRect/>
+          </a:stretch>
+        </p:blipFill>
+        <p:spPr bwMode="auto">
+          <a:xfrm>
+            <a:off x="3308197" y="4758661"/>
+            <a:ext cx="672081" cy="903335"/>
+          </a:xfrm>
+          <a:prstGeom prst="rect">
+            <a:avLst/>
+          </a:prstGeom>
+          <a:noFill/>
+          <a:extLst>
+            <a:ext uri="{909E8E84-426E-40DD-AFC4-6F175D3DCCD1}">
+              <a14:hiddenFill xmlns:a14="http://schemas.microsoft.com/office/drawing/2010/main">
+                <a:solidFill>
+                  <a:srgbClr val="FFFFFF"/>
+                </a:solidFill>
+              </a14:hiddenFill>
+            </a:ext>
+          </a:extLst>
+        </p:spPr>
+      </p:pic>
+      <p:sp>
+        <p:nvSpPr>
+          <p:cNvPr id="27" name="雲 26">
+            <a:extLst>
+              <a:ext uri="{FF2B5EF4-FFF2-40B4-BE49-F238E27FC236}">
+                <a16:creationId xmlns:a16="http://schemas.microsoft.com/office/drawing/2014/main" id="{D8BFAC17-DCB6-DCCC-8894-3B859F109C72}"/>
+              </a:ext>
+            </a:extLst>
+          </p:cNvPr>
+          <p:cNvSpPr/>
+          <p:nvPr/>
+        </p:nvSpPr>
+        <p:spPr>
+          <a:xfrm>
+            <a:off x="3946875" y="4363337"/>
+            <a:ext cx="922837" cy="654060"/>
+          </a:xfrm>
+          <a:prstGeom prst="cloud">
+            <a:avLst/>
+          </a:prstGeom>
+          <a:noFill/>
+          <a:ln>
+            <a:solidFill>
+              <a:schemeClr val="tx1"/>
+            </a:solidFill>
+          </a:ln>
+        </p:spPr>
+        <p:style>
+          <a:lnRef idx="2">
+            <a:schemeClr val="accent1">
+              <a:shade val="50000"/>
+            </a:schemeClr>
+          </a:lnRef>
+          <a:fillRef idx="1">
+            <a:schemeClr val="accent1"/>
+          </a:fillRef>
+          <a:effectRef idx="0">
+            <a:schemeClr val="accent1"/>
+          </a:effectRef>
+          <a:fontRef idx="minor">
+            <a:schemeClr val="lt1"/>
+          </a:fontRef>
+        </p:style>
+        <p:txBody>
+          <a:bodyPr rtlCol="0" anchor="ctr"/>
+          <a:lstStyle/>
+          <a:p>
+            <a:pPr algn="ctr"/>
+            <a:endParaRPr kumimoji="1" lang="ja-JP" altLang="en-US"/>
+          </a:p>
+        </p:txBody>
+      </p:sp>
+      <p:sp>
+        <p:nvSpPr>
+          <p:cNvPr id="28" name="テキスト ボックス 27">
+            <a:extLst>
+              <a:ext uri="{FF2B5EF4-FFF2-40B4-BE49-F238E27FC236}">
+                <a16:creationId xmlns:a16="http://schemas.microsoft.com/office/drawing/2014/main" id="{E1DDC077-5D15-752B-1C28-252DAB49F21B}"/>
+              </a:ext>
+            </a:extLst>
+          </p:cNvPr>
+          <p:cNvSpPr txBox="1"/>
+          <p:nvPr/>
+        </p:nvSpPr>
+        <p:spPr>
+          <a:xfrm>
+            <a:off x="4041196" y="4512568"/>
+            <a:ext cx="1006636" cy="369332"/>
+          </a:xfrm>
+          <a:prstGeom prst="rect">
+            <a:avLst/>
+          </a:prstGeom>
+          <a:noFill/>
+        </p:spPr>
+        <p:txBody>
+          <a:bodyPr wrap="square" rtlCol="0">
+            <a:spAutoFit/>
+          </a:bodyPr>
+          <a:lstStyle/>
+          <a:p>
+            <a:r>
+              <a:rPr lang="en-US" altLang="ja-JP" dirty="0"/>
+              <a:t>1234</a:t>
+            </a:r>
+            <a:endParaRPr kumimoji="1" lang="ja-JP" altLang="en-US"/>
+          </a:p>
+        </p:txBody>
+      </p:sp>
+      <p:sp>
+        <p:nvSpPr>
+          <p:cNvPr id="29" name="右矢印 28">
+            <a:extLst>
+              <a:ext uri="{FF2B5EF4-FFF2-40B4-BE49-F238E27FC236}">
+                <a16:creationId xmlns:a16="http://schemas.microsoft.com/office/drawing/2014/main" id="{F895A9E9-59D6-74EB-AE2F-BFC664C1F477}"/>
+              </a:ext>
+            </a:extLst>
+          </p:cNvPr>
+          <p:cNvSpPr/>
+          <p:nvPr/>
+        </p:nvSpPr>
+        <p:spPr>
+          <a:xfrm>
+            <a:off x="4691936" y="5030128"/>
+            <a:ext cx="533673" cy="284932"/>
+          </a:xfrm>
+          <a:prstGeom prst="rightArrow">
+            <a:avLst/>
+          </a:prstGeom>
+          <a:solidFill>
+            <a:srgbClr val="FF0000"/>
+          </a:solidFill>
+          <a:ln>
+            <a:solidFill>
+              <a:schemeClr val="tx1"/>
+            </a:solidFill>
+          </a:ln>
+        </p:spPr>
+        <p:style>
+          <a:lnRef idx="2">
+            <a:schemeClr val="accent1">
+              <a:shade val="50000"/>
+            </a:schemeClr>
+          </a:lnRef>
+          <a:fillRef idx="1">
+            <a:schemeClr val="accent1"/>
+          </a:fillRef>
+          <a:effectRef idx="0">
+            <a:schemeClr val="accent1"/>
+          </a:effectRef>
+          <a:fontRef idx="minor">
+            <a:schemeClr val="lt1"/>
+          </a:fontRef>
+        </p:style>
+        <p:txBody>
+          <a:bodyPr rtlCol="0" anchor="ctr"/>
+          <a:lstStyle/>
+          <a:p>
+            <a:pPr algn="ctr"/>
+            <a:endParaRPr kumimoji="1" lang="ja-JP" altLang="en-US"/>
+          </a:p>
+        </p:txBody>
+      </p:sp>
+      <p:pic>
+        <p:nvPicPr>
+          <p:cNvPr id="30" name="Picture 2" descr="ATM・キャッシュディスペンサーのイラスト">
+            <a:extLst>
+              <a:ext uri="{FF2B5EF4-FFF2-40B4-BE49-F238E27FC236}">
+                <a16:creationId xmlns:a16="http://schemas.microsoft.com/office/drawing/2014/main" id="{5A039ED0-9E2C-DB17-8C82-582361E8B504}"/>
+              </a:ext>
+            </a:extLst>
+          </p:cNvPr>
+          <p:cNvPicPr>
+            <a:picLocks noChangeAspect="1" noChangeArrowheads="1"/>
+          </p:cNvPicPr>
+          <p:nvPr/>
+        </p:nvPicPr>
+        <p:blipFill>
+          <a:blip r:embed="rId11">
+            <a:extLst>
+              <a:ext uri="{28A0092B-C50C-407E-A947-70E740481C1C}">
+                <a14:useLocalDpi xmlns:a14="http://schemas.microsoft.com/office/drawing/2010/main" val="0"/>
+              </a:ext>
+            </a:extLst>
+          </a:blip>
+          <a:srcRect/>
+          <a:stretch>
+            <a:fillRect/>
+          </a:stretch>
+        </p:blipFill>
+        <p:spPr bwMode="auto">
+          <a:xfrm>
+            <a:off x="5225609" y="4577031"/>
+            <a:ext cx="1063280" cy="1137198"/>
+          </a:xfrm>
+          <a:prstGeom prst="rect">
+            <a:avLst/>
+          </a:prstGeom>
+          <a:noFill/>
+          <a:extLst>
+            <a:ext uri="{909E8E84-426E-40DD-AFC4-6F175D3DCCD1}">
+              <a14:hiddenFill xmlns:a14="http://schemas.microsoft.com/office/drawing/2010/main">
+                <a:solidFill>
+                  <a:srgbClr val="FFFFFF"/>
+                </a:solidFill>
+              </a14:hiddenFill>
+            </a:ext>
+          </a:extLst>
+        </p:spPr>
+      </p:pic>
+      <p:sp>
+        <p:nvSpPr>
+          <p:cNvPr id="31" name="テキスト ボックス 30">
+            <a:extLst>
+              <a:ext uri="{FF2B5EF4-FFF2-40B4-BE49-F238E27FC236}">
+                <a16:creationId xmlns:a16="http://schemas.microsoft.com/office/drawing/2014/main" id="{A16D074E-78D6-F084-DBA3-D73A3542595F}"/>
+              </a:ext>
+            </a:extLst>
+          </p:cNvPr>
+          <p:cNvSpPr txBox="1"/>
+          <p:nvPr/>
+        </p:nvSpPr>
+        <p:spPr>
+          <a:xfrm>
+            <a:off x="3638668" y="3795624"/>
+            <a:ext cx="1415772" cy="461665"/>
+          </a:xfrm>
+          <a:prstGeom prst="rect">
+            <a:avLst/>
+          </a:prstGeom>
+          <a:noFill/>
+        </p:spPr>
+        <p:txBody>
+          <a:bodyPr wrap="none" rtlCol="0">
+            <a:spAutoFit/>
+          </a:bodyPr>
+          <a:lstStyle/>
+          <a:p>
+            <a:r>
+              <a:rPr kumimoji="1" lang="ja-JP" altLang="en-US" sz="2400">
+                <a:solidFill>
+                  <a:srgbClr val="011893"/>
+                </a:solidFill>
+              </a:rPr>
+              <a:t>知識認証</a:t>
             </a:r>
           </a:p>
         </p:txBody>
